--- a/testikansio/Presentation1.pptx
+++ b/testikansio/Presentation1.pptx
@@ -6,7 +6,10 @@
   </p:sldMasterIdLst>
   <p:sldIdLst>
     <p:sldId id="257" r:id="rId2"/>
-    <p:sldId id="258" r:id="rId3"/>
+    <p:sldId id="259" r:id="rId3"/>
+    <p:sldId id="261" r:id="rId4"/>
+    <p:sldId id="260" r:id="rId5"/>
+    <p:sldId id="258" r:id="rId6"/>
   </p:sldIdLst>
   <p:sldSz cx="12192000" cy="6858000"/>
   <p:notesSz cx="6858000" cy="9144000"/>
@@ -244,7 +247,7 @@
           <a:p>
             <a:fld id="{14D7C312-A0AF-4A56-AD54-A4007D75C258}" type="datetimeFigureOut">
               <a:rPr lang="fi-FI" smtClean="0"/>
-              <a:t>23.2.2018</a:t>
+              <a:t>8.3.2018</a:t>
             </a:fld>
             <a:endParaRPr lang="fi-FI"/>
           </a:p>
@@ -414,7 +417,7 @@
           <a:p>
             <a:fld id="{14D7C312-A0AF-4A56-AD54-A4007D75C258}" type="datetimeFigureOut">
               <a:rPr lang="fi-FI" smtClean="0"/>
-              <a:t>23.2.2018</a:t>
+              <a:t>8.3.2018</a:t>
             </a:fld>
             <a:endParaRPr lang="fi-FI"/>
           </a:p>
@@ -594,7 +597,7 @@
           <a:p>
             <a:fld id="{14D7C312-A0AF-4A56-AD54-A4007D75C258}" type="datetimeFigureOut">
               <a:rPr lang="fi-FI" smtClean="0"/>
-              <a:t>23.2.2018</a:t>
+              <a:t>8.3.2018</a:t>
             </a:fld>
             <a:endParaRPr lang="fi-FI"/>
           </a:p>
@@ -764,7 +767,7 @@
           <a:p>
             <a:fld id="{14D7C312-A0AF-4A56-AD54-A4007D75C258}" type="datetimeFigureOut">
               <a:rPr lang="fi-FI" smtClean="0"/>
-              <a:t>23.2.2018</a:t>
+              <a:t>8.3.2018</a:t>
             </a:fld>
             <a:endParaRPr lang="fi-FI"/>
           </a:p>
@@ -1010,7 +1013,7 @@
           <a:p>
             <a:fld id="{14D7C312-A0AF-4A56-AD54-A4007D75C258}" type="datetimeFigureOut">
               <a:rPr lang="fi-FI" smtClean="0"/>
-              <a:t>23.2.2018</a:t>
+              <a:t>8.3.2018</a:t>
             </a:fld>
             <a:endParaRPr lang="fi-FI"/>
           </a:p>
@@ -1242,7 +1245,7 @@
           <a:p>
             <a:fld id="{14D7C312-A0AF-4A56-AD54-A4007D75C258}" type="datetimeFigureOut">
               <a:rPr lang="fi-FI" smtClean="0"/>
-              <a:t>23.2.2018</a:t>
+              <a:t>8.3.2018</a:t>
             </a:fld>
             <a:endParaRPr lang="fi-FI"/>
           </a:p>
@@ -1609,7 +1612,7 @@
           <a:p>
             <a:fld id="{14D7C312-A0AF-4A56-AD54-A4007D75C258}" type="datetimeFigureOut">
               <a:rPr lang="fi-FI" smtClean="0"/>
-              <a:t>23.2.2018</a:t>
+              <a:t>8.3.2018</a:t>
             </a:fld>
             <a:endParaRPr lang="fi-FI"/>
           </a:p>
@@ -1727,7 +1730,7 @@
           <a:p>
             <a:fld id="{14D7C312-A0AF-4A56-AD54-A4007D75C258}" type="datetimeFigureOut">
               <a:rPr lang="fi-FI" smtClean="0"/>
-              <a:t>23.2.2018</a:t>
+              <a:t>8.3.2018</a:t>
             </a:fld>
             <a:endParaRPr lang="fi-FI"/>
           </a:p>
@@ -1822,7 +1825,7 @@
           <a:p>
             <a:fld id="{14D7C312-A0AF-4A56-AD54-A4007D75C258}" type="datetimeFigureOut">
               <a:rPr lang="fi-FI" smtClean="0"/>
-              <a:t>23.2.2018</a:t>
+              <a:t>8.3.2018</a:t>
             </a:fld>
             <a:endParaRPr lang="fi-FI"/>
           </a:p>
@@ -2099,7 +2102,7 @@
           <a:p>
             <a:fld id="{14D7C312-A0AF-4A56-AD54-A4007D75C258}" type="datetimeFigureOut">
               <a:rPr lang="fi-FI" smtClean="0"/>
-              <a:t>23.2.2018</a:t>
+              <a:t>8.3.2018</a:t>
             </a:fld>
             <a:endParaRPr lang="fi-FI"/>
           </a:p>
@@ -2352,7 +2355,7 @@
           <a:p>
             <a:fld id="{14D7C312-A0AF-4A56-AD54-A4007D75C258}" type="datetimeFigureOut">
               <a:rPr lang="fi-FI" smtClean="0"/>
-              <a:t>23.2.2018</a:t>
+              <a:t>8.3.2018</a:t>
             </a:fld>
             <a:endParaRPr lang="fi-FI"/>
           </a:p>
@@ -2565,7 +2568,7 @@
           <a:p>
             <a:fld id="{14D7C312-A0AF-4A56-AD54-A4007D75C258}" type="datetimeFigureOut">
               <a:rPr lang="fi-FI" smtClean="0"/>
-              <a:t>23.2.2018</a:t>
+              <a:t>8.3.2018</a:t>
             </a:fld>
             <a:endParaRPr lang="fi-FI"/>
           </a:p>
@@ -3764,6 +3767,1878 @@
         </p:nvSpPr>
         <p:spPr>
           <a:xfrm>
+            <a:off x="6472989" y="336885"/>
+            <a:ext cx="2983831" cy="369332"/>
+          </a:xfrm>
+          <a:prstGeom prst="rect">
+            <a:avLst/>
+          </a:prstGeom>
+          <a:noFill/>
+        </p:spPr>
+        <p:txBody>
+          <a:bodyPr wrap="square" rtlCol="0">
+            <a:spAutoFit/>
+          </a:bodyPr>
+          <a:lstStyle/>
+          <a:p>
+            <a:r>
+              <a:rPr lang="fi-FI" dirty="0" smtClean="0"/>
+              <a:t>ilmoittautumiset</a:t>
+            </a:r>
+            <a:endParaRPr lang="fi-FI" dirty="0"/>
+          </a:p>
+        </p:txBody>
+      </p:sp>
+      <p:sp>
+        <p:nvSpPr>
+          <p:cNvPr id="5" name="Rectangle 4"/>
+          <p:cNvSpPr/>
+          <p:nvPr/>
+        </p:nvSpPr>
+        <p:spPr>
+          <a:xfrm>
+            <a:off x="7226967" y="1158880"/>
+            <a:ext cx="2374232" cy="449178"/>
+          </a:xfrm>
+          <a:prstGeom prst="rect">
+            <a:avLst/>
+          </a:prstGeom>
+          <a:solidFill>
+            <a:schemeClr val="bg1"/>
+          </a:solidFill>
+        </p:spPr>
+        <p:style>
+          <a:lnRef idx="2">
+            <a:schemeClr val="accent1">
+              <a:shade val="50000"/>
+            </a:schemeClr>
+          </a:lnRef>
+          <a:fillRef idx="1">
+            <a:schemeClr val="accent1"/>
+          </a:fillRef>
+          <a:effectRef idx="0">
+            <a:schemeClr val="accent1"/>
+          </a:effectRef>
+          <a:fontRef idx="minor">
+            <a:schemeClr val="lt1"/>
+          </a:fontRef>
+        </p:style>
+        <p:txBody>
+          <a:bodyPr rtlCol="0" anchor="ctr"/>
+          <a:lstStyle/>
+          <a:p>
+            <a:pPr algn="ctr"/>
+            <a:r>
+              <a:rPr lang="fi-FI" dirty="0" smtClean="0">
+                <a:solidFill>
+                  <a:schemeClr val="tx1"/>
+                </a:solidFill>
+              </a:rPr>
+              <a:t>muokkaa</a:t>
+            </a:r>
+            <a:endParaRPr lang="fi-FI" dirty="0">
+              <a:solidFill>
+                <a:schemeClr val="tx1"/>
+              </a:solidFill>
+            </a:endParaRPr>
+          </a:p>
+        </p:txBody>
+      </p:sp>
+      <p:sp>
+        <p:nvSpPr>
+          <p:cNvPr id="6" name="TextBox 5"/>
+          <p:cNvSpPr txBox="1"/>
+          <p:nvPr/>
+        </p:nvSpPr>
+        <p:spPr>
+          <a:xfrm>
+            <a:off x="2622883" y="753980"/>
+            <a:ext cx="4050633" cy="369332"/>
+          </a:xfrm>
+          <a:prstGeom prst="rect">
+            <a:avLst/>
+          </a:prstGeom>
+          <a:noFill/>
+        </p:spPr>
+        <p:txBody>
+          <a:bodyPr wrap="square" rtlCol="0">
+            <a:spAutoFit/>
+          </a:bodyPr>
+          <a:lstStyle/>
+          <a:p>
+            <a:r>
+              <a:rPr lang="fi-FI" smtClean="0"/>
+              <a:t>ilmoittautuneet</a:t>
+            </a:r>
+            <a:endParaRPr lang="fi-FI" dirty="0"/>
+          </a:p>
+        </p:txBody>
+      </p:sp>
+      <p:sp>
+        <p:nvSpPr>
+          <p:cNvPr id="21" name="TextBox 20"/>
+          <p:cNvSpPr txBox="1"/>
+          <p:nvPr/>
+        </p:nvSpPr>
+        <p:spPr>
+          <a:xfrm>
+            <a:off x="2622883" y="1194448"/>
+            <a:ext cx="4050633" cy="369332"/>
+          </a:xfrm>
+          <a:prstGeom prst="rect">
+            <a:avLst/>
+          </a:prstGeom>
+          <a:noFill/>
+        </p:spPr>
+        <p:txBody>
+          <a:bodyPr wrap="square" rtlCol="0">
+            <a:spAutoFit/>
+          </a:bodyPr>
+          <a:lstStyle/>
+          <a:p>
+            <a:r>
+              <a:rPr lang="fi-FI" dirty="0" smtClean="0"/>
+              <a:t>Nimi</a:t>
+            </a:r>
+            <a:endParaRPr lang="fi-FI" dirty="0"/>
+          </a:p>
+        </p:txBody>
+      </p:sp>
+      <p:sp>
+        <p:nvSpPr>
+          <p:cNvPr id="22" name="TextBox 21"/>
+          <p:cNvSpPr txBox="1"/>
+          <p:nvPr/>
+        </p:nvSpPr>
+        <p:spPr>
+          <a:xfrm>
+            <a:off x="2622883" y="1563780"/>
+            <a:ext cx="4050633" cy="369332"/>
+          </a:xfrm>
+          <a:prstGeom prst="rect">
+            <a:avLst/>
+          </a:prstGeom>
+          <a:noFill/>
+        </p:spPr>
+        <p:txBody>
+          <a:bodyPr wrap="square" rtlCol="0">
+            <a:spAutoFit/>
+          </a:bodyPr>
+          <a:lstStyle/>
+          <a:p>
+            <a:r>
+              <a:rPr lang="fi-FI" dirty="0" err="1" smtClean="0"/>
+              <a:t>puhelinnro</a:t>
+            </a:r>
+            <a:endParaRPr lang="fi-FI" dirty="0"/>
+          </a:p>
+        </p:txBody>
+      </p:sp>
+      <p:sp>
+        <p:nvSpPr>
+          <p:cNvPr id="23" name="TextBox 22"/>
+          <p:cNvSpPr txBox="1"/>
+          <p:nvPr/>
+        </p:nvSpPr>
+        <p:spPr>
+          <a:xfrm>
+            <a:off x="2622882" y="1969206"/>
+            <a:ext cx="4050633" cy="369332"/>
+          </a:xfrm>
+          <a:prstGeom prst="rect">
+            <a:avLst/>
+          </a:prstGeom>
+          <a:noFill/>
+        </p:spPr>
+        <p:txBody>
+          <a:bodyPr wrap="square" rtlCol="0">
+            <a:spAutoFit/>
+          </a:bodyPr>
+          <a:lstStyle/>
+          <a:p>
+            <a:r>
+              <a:rPr lang="fi-FI" dirty="0" smtClean="0"/>
+              <a:t>sähköposti</a:t>
+            </a:r>
+            <a:endParaRPr lang="fi-FI" dirty="0"/>
+          </a:p>
+        </p:txBody>
+      </p:sp>
+      <p:sp>
+        <p:nvSpPr>
+          <p:cNvPr id="24" name="TextBox 23"/>
+          <p:cNvSpPr txBox="1"/>
+          <p:nvPr/>
+        </p:nvSpPr>
+        <p:spPr>
+          <a:xfrm>
+            <a:off x="2622881" y="2450833"/>
+            <a:ext cx="4050633" cy="369332"/>
+          </a:xfrm>
+          <a:prstGeom prst="rect">
+            <a:avLst/>
+          </a:prstGeom>
+          <a:noFill/>
+        </p:spPr>
+        <p:txBody>
+          <a:bodyPr wrap="square" rtlCol="0">
+            <a:spAutoFit/>
+          </a:bodyPr>
+          <a:lstStyle/>
+          <a:p>
+            <a:r>
+              <a:rPr lang="fi-FI" dirty="0" smtClean="0"/>
+              <a:t>Paikka</a:t>
+            </a:r>
+            <a:endParaRPr lang="fi-FI" dirty="0"/>
+          </a:p>
+        </p:txBody>
+      </p:sp>
+      <p:sp>
+        <p:nvSpPr>
+          <p:cNvPr id="27" name="TextBox 26"/>
+          <p:cNvSpPr txBox="1"/>
+          <p:nvPr/>
+        </p:nvSpPr>
+        <p:spPr>
+          <a:xfrm>
+            <a:off x="2622880" y="3057949"/>
+            <a:ext cx="4050633" cy="369332"/>
+          </a:xfrm>
+          <a:prstGeom prst="rect">
+            <a:avLst/>
+          </a:prstGeom>
+          <a:noFill/>
+        </p:spPr>
+        <p:txBody>
+          <a:bodyPr wrap="square" rtlCol="0">
+            <a:spAutoFit/>
+          </a:bodyPr>
+          <a:lstStyle/>
+          <a:p>
+            <a:r>
+              <a:rPr lang="fi-FI" dirty="0" smtClean="0"/>
+              <a:t>Nimi</a:t>
+            </a:r>
+            <a:endParaRPr lang="fi-FI" dirty="0"/>
+          </a:p>
+        </p:txBody>
+      </p:sp>
+      <p:sp>
+        <p:nvSpPr>
+          <p:cNvPr id="28" name="TextBox 27"/>
+          <p:cNvSpPr txBox="1"/>
+          <p:nvPr/>
+        </p:nvSpPr>
+        <p:spPr>
+          <a:xfrm>
+            <a:off x="2622880" y="3459025"/>
+            <a:ext cx="4050633" cy="369332"/>
+          </a:xfrm>
+          <a:prstGeom prst="rect">
+            <a:avLst/>
+          </a:prstGeom>
+          <a:noFill/>
+        </p:spPr>
+        <p:txBody>
+          <a:bodyPr wrap="square" rtlCol="0">
+            <a:spAutoFit/>
+          </a:bodyPr>
+          <a:lstStyle/>
+          <a:p>
+            <a:r>
+              <a:rPr lang="fi-FI" dirty="0" err="1" smtClean="0"/>
+              <a:t>puhelinnro</a:t>
+            </a:r>
+            <a:endParaRPr lang="fi-FI" dirty="0"/>
+          </a:p>
+        </p:txBody>
+      </p:sp>
+      <p:sp>
+        <p:nvSpPr>
+          <p:cNvPr id="29" name="TextBox 28"/>
+          <p:cNvSpPr txBox="1"/>
+          <p:nvPr/>
+        </p:nvSpPr>
+        <p:spPr>
+          <a:xfrm>
+            <a:off x="2622879" y="3894826"/>
+            <a:ext cx="4050633" cy="369332"/>
+          </a:xfrm>
+          <a:prstGeom prst="rect">
+            <a:avLst/>
+          </a:prstGeom>
+          <a:noFill/>
+        </p:spPr>
+        <p:txBody>
+          <a:bodyPr wrap="square" rtlCol="0">
+            <a:spAutoFit/>
+          </a:bodyPr>
+          <a:lstStyle/>
+          <a:p>
+            <a:r>
+              <a:rPr lang="fi-FI" dirty="0" smtClean="0"/>
+              <a:t>sähköposti</a:t>
+            </a:r>
+            <a:endParaRPr lang="fi-FI" dirty="0"/>
+          </a:p>
+        </p:txBody>
+      </p:sp>
+      <p:sp>
+        <p:nvSpPr>
+          <p:cNvPr id="30" name="TextBox 29"/>
+          <p:cNvSpPr txBox="1"/>
+          <p:nvPr/>
+        </p:nvSpPr>
+        <p:spPr>
+          <a:xfrm>
+            <a:off x="2622879" y="4295457"/>
+            <a:ext cx="4050633" cy="369332"/>
+          </a:xfrm>
+          <a:prstGeom prst="rect">
+            <a:avLst/>
+          </a:prstGeom>
+          <a:noFill/>
+        </p:spPr>
+        <p:txBody>
+          <a:bodyPr wrap="square" rtlCol="0">
+            <a:spAutoFit/>
+          </a:bodyPr>
+          <a:lstStyle/>
+          <a:p>
+            <a:r>
+              <a:rPr lang="fi-FI" dirty="0" smtClean="0"/>
+              <a:t>Paikka</a:t>
+            </a:r>
+            <a:endParaRPr lang="fi-FI" dirty="0"/>
+          </a:p>
+        </p:txBody>
+      </p:sp>
+      <p:sp>
+        <p:nvSpPr>
+          <p:cNvPr id="31" name="TextBox 30"/>
+          <p:cNvSpPr txBox="1"/>
+          <p:nvPr/>
+        </p:nvSpPr>
+        <p:spPr>
+          <a:xfrm>
+            <a:off x="2622878" y="4907728"/>
+            <a:ext cx="4050633" cy="369332"/>
+          </a:xfrm>
+          <a:prstGeom prst="rect">
+            <a:avLst/>
+          </a:prstGeom>
+          <a:noFill/>
+        </p:spPr>
+        <p:txBody>
+          <a:bodyPr wrap="square" rtlCol="0">
+            <a:spAutoFit/>
+          </a:bodyPr>
+          <a:lstStyle/>
+          <a:p>
+            <a:r>
+              <a:rPr lang="fi-FI" dirty="0" smtClean="0"/>
+              <a:t>Nimi</a:t>
+            </a:r>
+            <a:endParaRPr lang="fi-FI" dirty="0"/>
+          </a:p>
+        </p:txBody>
+      </p:sp>
+      <p:sp>
+        <p:nvSpPr>
+          <p:cNvPr id="32" name="TextBox 31"/>
+          <p:cNvSpPr txBox="1"/>
+          <p:nvPr/>
+        </p:nvSpPr>
+        <p:spPr>
+          <a:xfrm>
+            <a:off x="2622877" y="5277060"/>
+            <a:ext cx="4050633" cy="369332"/>
+          </a:xfrm>
+          <a:prstGeom prst="rect">
+            <a:avLst/>
+          </a:prstGeom>
+          <a:noFill/>
+        </p:spPr>
+        <p:txBody>
+          <a:bodyPr wrap="square" rtlCol="0">
+            <a:spAutoFit/>
+          </a:bodyPr>
+          <a:lstStyle/>
+          <a:p>
+            <a:r>
+              <a:rPr lang="fi-FI" dirty="0" err="1" smtClean="0"/>
+              <a:t>puhelinnro</a:t>
+            </a:r>
+            <a:endParaRPr lang="fi-FI" dirty="0"/>
+          </a:p>
+        </p:txBody>
+      </p:sp>
+      <p:sp>
+        <p:nvSpPr>
+          <p:cNvPr id="3" name="Down Arrow 2"/>
+          <p:cNvSpPr/>
+          <p:nvPr/>
+        </p:nvSpPr>
+        <p:spPr>
+          <a:xfrm>
+            <a:off x="3192380" y="6172535"/>
+            <a:ext cx="673768" cy="240555"/>
+          </a:xfrm>
+          <a:prstGeom prst="downArrow">
+            <a:avLst/>
+          </a:prstGeom>
+        </p:spPr>
+        <p:style>
+          <a:lnRef idx="2">
+            <a:schemeClr val="accent1">
+              <a:shade val="50000"/>
+            </a:schemeClr>
+          </a:lnRef>
+          <a:fillRef idx="1">
+            <a:schemeClr val="accent1"/>
+          </a:fillRef>
+          <a:effectRef idx="0">
+            <a:schemeClr val="accent1"/>
+          </a:effectRef>
+          <a:fontRef idx="minor">
+            <a:schemeClr val="lt1"/>
+          </a:fontRef>
+        </p:style>
+        <p:txBody>
+          <a:bodyPr rtlCol="0" anchor="ctr"/>
+          <a:lstStyle/>
+          <a:p>
+            <a:pPr algn="ctr"/>
+            <a:endParaRPr lang="fi-FI"/>
+          </a:p>
+        </p:txBody>
+      </p:sp>
+      <p:sp>
+        <p:nvSpPr>
+          <p:cNvPr id="9" name="Rectangle 8"/>
+          <p:cNvSpPr/>
+          <p:nvPr/>
+        </p:nvSpPr>
+        <p:spPr>
+          <a:xfrm>
+            <a:off x="2438398" y="2856259"/>
+            <a:ext cx="7507705" cy="64169"/>
+          </a:xfrm>
+          <a:prstGeom prst="rect">
+            <a:avLst/>
+          </a:prstGeom>
+        </p:spPr>
+        <p:style>
+          <a:lnRef idx="2">
+            <a:schemeClr val="accent1">
+              <a:shade val="50000"/>
+            </a:schemeClr>
+          </a:lnRef>
+          <a:fillRef idx="1">
+            <a:schemeClr val="accent1"/>
+          </a:fillRef>
+          <a:effectRef idx="0">
+            <a:schemeClr val="accent1"/>
+          </a:effectRef>
+          <a:fontRef idx="minor">
+            <a:schemeClr val="lt1"/>
+          </a:fontRef>
+        </p:style>
+        <p:txBody>
+          <a:bodyPr rtlCol="0" anchor="ctr"/>
+          <a:lstStyle/>
+          <a:p>
+            <a:pPr algn="ctr"/>
+            <a:endParaRPr lang="fi-FI"/>
+          </a:p>
+        </p:txBody>
+      </p:sp>
+      <p:sp>
+        <p:nvSpPr>
+          <p:cNvPr id="35" name="Rectangle 34"/>
+          <p:cNvSpPr/>
+          <p:nvPr/>
+        </p:nvSpPr>
+        <p:spPr>
+          <a:xfrm>
+            <a:off x="2438398" y="4691763"/>
+            <a:ext cx="7507705" cy="64169"/>
+          </a:xfrm>
+          <a:prstGeom prst="rect">
+            <a:avLst/>
+          </a:prstGeom>
+        </p:spPr>
+        <p:style>
+          <a:lnRef idx="2">
+            <a:schemeClr val="accent1">
+              <a:shade val="50000"/>
+            </a:schemeClr>
+          </a:lnRef>
+          <a:fillRef idx="1">
+            <a:schemeClr val="accent1"/>
+          </a:fillRef>
+          <a:effectRef idx="0">
+            <a:schemeClr val="accent1"/>
+          </a:effectRef>
+          <a:fontRef idx="minor">
+            <a:schemeClr val="lt1"/>
+          </a:fontRef>
+        </p:style>
+        <p:txBody>
+          <a:bodyPr rtlCol="0" anchor="ctr"/>
+          <a:lstStyle/>
+          <a:p>
+            <a:pPr algn="ctr"/>
+            <a:endParaRPr lang="fi-FI"/>
+          </a:p>
+        </p:txBody>
+      </p:sp>
+      <p:sp>
+        <p:nvSpPr>
+          <p:cNvPr id="36" name="Rectangle 35"/>
+          <p:cNvSpPr/>
+          <p:nvPr/>
+        </p:nvSpPr>
+        <p:spPr>
+          <a:xfrm>
+            <a:off x="7226967" y="3268187"/>
+            <a:ext cx="2374232" cy="449178"/>
+          </a:xfrm>
+          <a:prstGeom prst="rect">
+            <a:avLst/>
+          </a:prstGeom>
+          <a:solidFill>
+            <a:schemeClr val="bg1"/>
+          </a:solidFill>
+        </p:spPr>
+        <p:style>
+          <a:lnRef idx="2">
+            <a:schemeClr val="accent1">
+              <a:shade val="50000"/>
+            </a:schemeClr>
+          </a:lnRef>
+          <a:fillRef idx="1">
+            <a:schemeClr val="accent1"/>
+          </a:fillRef>
+          <a:effectRef idx="0">
+            <a:schemeClr val="accent1"/>
+          </a:effectRef>
+          <a:fontRef idx="minor">
+            <a:schemeClr val="lt1"/>
+          </a:fontRef>
+        </p:style>
+        <p:txBody>
+          <a:bodyPr rtlCol="0" anchor="ctr"/>
+          <a:lstStyle/>
+          <a:p>
+            <a:pPr algn="ctr"/>
+            <a:r>
+              <a:rPr lang="fi-FI" dirty="0" smtClean="0">
+                <a:solidFill>
+                  <a:schemeClr val="tx1"/>
+                </a:solidFill>
+              </a:rPr>
+              <a:t>muokkaa</a:t>
+            </a:r>
+            <a:endParaRPr lang="fi-FI" dirty="0">
+              <a:solidFill>
+                <a:schemeClr val="tx1"/>
+              </a:solidFill>
+            </a:endParaRPr>
+          </a:p>
+        </p:txBody>
+      </p:sp>
+      <p:sp>
+        <p:nvSpPr>
+          <p:cNvPr id="37" name="Rectangle 36"/>
+          <p:cNvSpPr/>
+          <p:nvPr/>
+        </p:nvSpPr>
+        <p:spPr>
+          <a:xfrm>
+            <a:off x="7226967" y="5052471"/>
+            <a:ext cx="2374232" cy="449178"/>
+          </a:xfrm>
+          <a:prstGeom prst="rect">
+            <a:avLst/>
+          </a:prstGeom>
+          <a:solidFill>
+            <a:schemeClr val="bg1"/>
+          </a:solidFill>
+        </p:spPr>
+        <p:style>
+          <a:lnRef idx="2">
+            <a:schemeClr val="accent1">
+              <a:shade val="50000"/>
+            </a:schemeClr>
+          </a:lnRef>
+          <a:fillRef idx="1">
+            <a:schemeClr val="accent1"/>
+          </a:fillRef>
+          <a:effectRef idx="0">
+            <a:schemeClr val="accent1"/>
+          </a:effectRef>
+          <a:fontRef idx="minor">
+            <a:schemeClr val="lt1"/>
+          </a:fontRef>
+        </p:style>
+        <p:txBody>
+          <a:bodyPr rtlCol="0" anchor="ctr"/>
+          <a:lstStyle/>
+          <a:p>
+            <a:pPr algn="ctr"/>
+            <a:r>
+              <a:rPr lang="fi-FI" dirty="0" smtClean="0">
+                <a:solidFill>
+                  <a:schemeClr val="tx1"/>
+                </a:solidFill>
+              </a:rPr>
+              <a:t>muokkaa</a:t>
+            </a:r>
+            <a:endParaRPr lang="fi-FI" dirty="0">
+              <a:solidFill>
+                <a:schemeClr val="tx1"/>
+              </a:solidFill>
+            </a:endParaRPr>
+          </a:p>
+        </p:txBody>
+      </p:sp>
+      <p:sp>
+        <p:nvSpPr>
+          <p:cNvPr id="39" name="Rectangle 38"/>
+          <p:cNvSpPr/>
+          <p:nvPr/>
+        </p:nvSpPr>
+        <p:spPr>
+          <a:xfrm>
+            <a:off x="2438399" y="1064814"/>
+            <a:ext cx="7507705" cy="64169"/>
+          </a:xfrm>
+          <a:prstGeom prst="rect">
+            <a:avLst/>
+          </a:prstGeom>
+        </p:spPr>
+        <p:style>
+          <a:lnRef idx="2">
+            <a:schemeClr val="accent1">
+              <a:shade val="50000"/>
+            </a:schemeClr>
+          </a:lnRef>
+          <a:fillRef idx="1">
+            <a:schemeClr val="accent1"/>
+          </a:fillRef>
+          <a:effectRef idx="0">
+            <a:schemeClr val="accent1"/>
+          </a:effectRef>
+          <a:fontRef idx="minor">
+            <a:schemeClr val="lt1"/>
+          </a:fontRef>
+        </p:style>
+        <p:txBody>
+          <a:bodyPr rtlCol="0" anchor="ctr"/>
+          <a:lstStyle/>
+          <a:p>
+            <a:pPr algn="ctr"/>
+            <a:endParaRPr lang="fi-FI"/>
+          </a:p>
+        </p:txBody>
+      </p:sp>
+      <p:sp>
+        <p:nvSpPr>
+          <p:cNvPr id="40" name="TextBox 39"/>
+          <p:cNvSpPr txBox="1"/>
+          <p:nvPr/>
+        </p:nvSpPr>
+        <p:spPr>
+          <a:xfrm>
+            <a:off x="2622877" y="5748804"/>
+            <a:ext cx="4050633" cy="369332"/>
+          </a:xfrm>
+          <a:prstGeom prst="rect">
+            <a:avLst/>
+          </a:prstGeom>
+          <a:noFill/>
+        </p:spPr>
+        <p:txBody>
+          <a:bodyPr wrap="square" rtlCol="0">
+            <a:spAutoFit/>
+          </a:bodyPr>
+          <a:lstStyle/>
+          <a:p>
+            <a:r>
+              <a:rPr lang="fi-FI" dirty="0" smtClean="0"/>
+              <a:t>sähköposti</a:t>
+            </a:r>
+            <a:endParaRPr lang="fi-FI" dirty="0"/>
+          </a:p>
+        </p:txBody>
+      </p:sp>
+      <p:sp>
+        <p:nvSpPr>
+          <p:cNvPr id="41" name="Rectangle 40"/>
+          <p:cNvSpPr/>
+          <p:nvPr/>
+        </p:nvSpPr>
+        <p:spPr>
+          <a:xfrm>
+            <a:off x="7226967" y="1790061"/>
+            <a:ext cx="2374232" cy="449178"/>
+          </a:xfrm>
+          <a:prstGeom prst="rect">
+            <a:avLst/>
+          </a:prstGeom>
+          <a:solidFill>
+            <a:schemeClr val="bg1"/>
+          </a:solidFill>
+        </p:spPr>
+        <p:style>
+          <a:lnRef idx="2">
+            <a:schemeClr val="accent1">
+              <a:shade val="50000"/>
+            </a:schemeClr>
+          </a:lnRef>
+          <a:fillRef idx="1">
+            <a:schemeClr val="accent1"/>
+          </a:fillRef>
+          <a:effectRef idx="0">
+            <a:schemeClr val="accent1"/>
+          </a:effectRef>
+          <a:fontRef idx="minor">
+            <a:schemeClr val="lt1"/>
+          </a:fontRef>
+        </p:style>
+        <p:txBody>
+          <a:bodyPr rtlCol="0" anchor="ctr"/>
+          <a:lstStyle/>
+          <a:p>
+            <a:pPr algn="ctr"/>
+            <a:r>
+              <a:rPr lang="fi-FI" dirty="0" smtClean="0">
+                <a:solidFill>
+                  <a:schemeClr val="tx1"/>
+                </a:solidFill>
+              </a:rPr>
+              <a:t>Poista</a:t>
+            </a:r>
+            <a:endParaRPr lang="fi-FI" dirty="0">
+              <a:solidFill>
+                <a:schemeClr val="tx1"/>
+              </a:solidFill>
+            </a:endParaRPr>
+          </a:p>
+        </p:txBody>
+      </p:sp>
+      <p:sp>
+        <p:nvSpPr>
+          <p:cNvPr id="43" name="Rectangle 42"/>
+          <p:cNvSpPr/>
+          <p:nvPr/>
+        </p:nvSpPr>
+        <p:spPr>
+          <a:xfrm>
+            <a:off x="7226967" y="3882074"/>
+            <a:ext cx="2374232" cy="449178"/>
+          </a:xfrm>
+          <a:prstGeom prst="rect">
+            <a:avLst/>
+          </a:prstGeom>
+          <a:solidFill>
+            <a:schemeClr val="bg1"/>
+          </a:solidFill>
+        </p:spPr>
+        <p:style>
+          <a:lnRef idx="2">
+            <a:schemeClr val="accent1">
+              <a:shade val="50000"/>
+            </a:schemeClr>
+          </a:lnRef>
+          <a:fillRef idx="1">
+            <a:schemeClr val="accent1"/>
+          </a:fillRef>
+          <a:effectRef idx="0">
+            <a:schemeClr val="accent1"/>
+          </a:effectRef>
+          <a:fontRef idx="minor">
+            <a:schemeClr val="lt1"/>
+          </a:fontRef>
+        </p:style>
+        <p:txBody>
+          <a:bodyPr rtlCol="0" anchor="ctr"/>
+          <a:lstStyle/>
+          <a:p>
+            <a:pPr algn="ctr"/>
+            <a:r>
+              <a:rPr lang="fi-FI" dirty="0" smtClean="0">
+                <a:solidFill>
+                  <a:schemeClr val="tx1"/>
+                </a:solidFill>
+              </a:rPr>
+              <a:t>Poista</a:t>
+            </a:r>
+            <a:endParaRPr lang="fi-FI" dirty="0">
+              <a:solidFill>
+                <a:schemeClr val="tx1"/>
+              </a:solidFill>
+            </a:endParaRPr>
+          </a:p>
+        </p:txBody>
+      </p:sp>
+      <p:sp>
+        <p:nvSpPr>
+          <p:cNvPr id="44" name="Rectangle 43"/>
+          <p:cNvSpPr/>
+          <p:nvPr/>
+        </p:nvSpPr>
+        <p:spPr>
+          <a:xfrm>
+            <a:off x="7226967" y="5623568"/>
+            <a:ext cx="2374232" cy="449178"/>
+          </a:xfrm>
+          <a:prstGeom prst="rect">
+            <a:avLst/>
+          </a:prstGeom>
+          <a:solidFill>
+            <a:schemeClr val="bg1"/>
+          </a:solidFill>
+        </p:spPr>
+        <p:style>
+          <a:lnRef idx="2">
+            <a:schemeClr val="accent1">
+              <a:shade val="50000"/>
+            </a:schemeClr>
+          </a:lnRef>
+          <a:fillRef idx="1">
+            <a:schemeClr val="accent1"/>
+          </a:fillRef>
+          <a:effectRef idx="0">
+            <a:schemeClr val="accent1"/>
+          </a:effectRef>
+          <a:fontRef idx="minor">
+            <a:schemeClr val="lt1"/>
+          </a:fontRef>
+        </p:style>
+        <p:txBody>
+          <a:bodyPr rtlCol="0" anchor="ctr"/>
+          <a:lstStyle/>
+          <a:p>
+            <a:pPr algn="ctr"/>
+            <a:r>
+              <a:rPr lang="fi-FI" dirty="0" smtClean="0">
+                <a:solidFill>
+                  <a:schemeClr val="tx1"/>
+                </a:solidFill>
+              </a:rPr>
+              <a:t>Poista</a:t>
+            </a:r>
+            <a:endParaRPr lang="fi-FI" dirty="0">
+              <a:solidFill>
+                <a:schemeClr val="tx1"/>
+              </a:solidFill>
+            </a:endParaRPr>
+          </a:p>
+        </p:txBody>
+      </p:sp>
+    </p:spTree>
+    <p:extLst>
+      <p:ext uri="{BB962C8B-B14F-4D97-AF65-F5344CB8AC3E}">
+        <p14:creationId xmlns:p14="http://schemas.microsoft.com/office/powerpoint/2010/main" val="4182844500"/>
+      </p:ext>
+    </p:extLst>
+  </p:cSld>
+  <p:clrMapOvr>
+    <a:masterClrMapping/>
+  </p:clrMapOvr>
+  <p:timing>
+    <p:tnLst>
+      <p:par>
+        <p:cTn id="1" dur="indefinite" restart="never" nodeType="tmRoot"/>
+      </p:par>
+    </p:tnLst>
+  </p:timing>
+</p:sld>
+</file>
+
+<file path=ppt/slides/slide3.xml><?xml version="1.0" encoding="utf-8"?>
+<p:sld xmlns:a="http://schemas.openxmlformats.org/drawingml/2006/main" xmlns:r="http://schemas.openxmlformats.org/officeDocument/2006/relationships" xmlns:p="http://schemas.openxmlformats.org/presentationml/2006/main">
+  <p:cSld>
+    <p:spTree>
+      <p:nvGrpSpPr>
+        <p:cNvPr id="1" name=""/>
+        <p:cNvGrpSpPr/>
+        <p:nvPr/>
+      </p:nvGrpSpPr>
+      <p:grpSpPr>
+        <a:xfrm>
+          <a:off x="0" y="0"/>
+          <a:ext cx="0" cy="0"/>
+          <a:chOff x="0" y="0"/>
+          <a:chExt cx="0" cy="0"/>
+        </a:xfrm>
+      </p:grpSpPr>
+      <p:pic>
+        <p:nvPicPr>
+          <p:cNvPr id="15" name="Picture 14"/>
+          <p:cNvPicPr>
+            <a:picLocks noChangeAspect="1"/>
+          </p:cNvPicPr>
+          <p:nvPr/>
+        </p:nvPicPr>
+        <p:blipFill>
+          <a:blip r:embed="rId2" cstate="print">
+            <a:extLst>
+              <a:ext uri="{28A0092B-C50C-407E-A947-70E740481C1C}">
+                <a14:useLocalDpi xmlns:a14="http://schemas.microsoft.com/office/drawing/2010/main" val="0"/>
+              </a:ext>
+            </a:extLst>
+          </a:blip>
+          <a:stretch>
+            <a:fillRect/>
+          </a:stretch>
+        </p:blipFill>
+        <p:spPr>
+          <a:xfrm>
+            <a:off x="0" y="3830"/>
+            <a:ext cx="12192000" cy="6852786"/>
+          </a:xfrm>
+          <a:prstGeom prst="rect">
+            <a:avLst/>
+          </a:prstGeom>
+        </p:spPr>
+      </p:pic>
+      <p:sp>
+        <p:nvSpPr>
+          <p:cNvPr id="2" name="Rectangle 1"/>
+          <p:cNvSpPr/>
+          <p:nvPr/>
+        </p:nvSpPr>
+        <p:spPr>
+          <a:xfrm>
+            <a:off x="2438400" y="224590"/>
+            <a:ext cx="7507705" cy="6208295"/>
+          </a:xfrm>
+          <a:prstGeom prst="rect">
+            <a:avLst/>
+          </a:prstGeom>
+          <a:solidFill>
+            <a:schemeClr val="bg1">
+              <a:lumMod val="85000"/>
+              <a:alpha val="92000"/>
+            </a:schemeClr>
+          </a:solidFill>
+        </p:spPr>
+        <p:style>
+          <a:lnRef idx="2">
+            <a:schemeClr val="accent1">
+              <a:shade val="50000"/>
+            </a:schemeClr>
+          </a:lnRef>
+          <a:fillRef idx="1">
+            <a:schemeClr val="accent1"/>
+          </a:fillRef>
+          <a:effectRef idx="0">
+            <a:schemeClr val="accent1"/>
+          </a:effectRef>
+          <a:fontRef idx="minor">
+            <a:schemeClr val="lt1"/>
+          </a:fontRef>
+        </p:style>
+        <p:txBody>
+          <a:bodyPr rtlCol="0" anchor="ctr"/>
+          <a:lstStyle/>
+          <a:p>
+            <a:pPr algn="ctr"/>
+            <a:endParaRPr lang="fi-FI"/>
+          </a:p>
+        </p:txBody>
+      </p:sp>
+      <p:sp>
+        <p:nvSpPr>
+          <p:cNvPr id="4" name="TextBox 3"/>
+          <p:cNvSpPr txBox="1"/>
+          <p:nvPr/>
+        </p:nvSpPr>
+        <p:spPr>
+          <a:xfrm>
+            <a:off x="4572000" y="313886"/>
+            <a:ext cx="3697704" cy="369332"/>
+          </a:xfrm>
+          <a:prstGeom prst="rect">
+            <a:avLst/>
+          </a:prstGeom>
+          <a:noFill/>
+        </p:spPr>
+        <p:txBody>
+          <a:bodyPr wrap="square" rtlCol="0">
+            <a:spAutoFit/>
+          </a:bodyPr>
+          <a:lstStyle/>
+          <a:p>
+            <a:r>
+              <a:rPr lang="fi-FI" dirty="0" smtClean="0"/>
+              <a:t>muokkaa ilmoittautumisen tietoja</a:t>
+            </a:r>
+            <a:endParaRPr lang="fi-FI" dirty="0"/>
+          </a:p>
+        </p:txBody>
+      </p:sp>
+      <p:sp>
+        <p:nvSpPr>
+          <p:cNvPr id="5" name="Rectangle 4"/>
+          <p:cNvSpPr/>
+          <p:nvPr/>
+        </p:nvSpPr>
+        <p:spPr>
+          <a:xfrm>
+            <a:off x="7082588" y="5696776"/>
+            <a:ext cx="2374232" cy="449178"/>
+          </a:xfrm>
+          <a:prstGeom prst="rect">
+            <a:avLst/>
+          </a:prstGeom>
+          <a:solidFill>
+            <a:schemeClr val="bg1"/>
+          </a:solidFill>
+        </p:spPr>
+        <p:style>
+          <a:lnRef idx="2">
+            <a:schemeClr val="accent1">
+              <a:shade val="50000"/>
+            </a:schemeClr>
+          </a:lnRef>
+          <a:fillRef idx="1">
+            <a:schemeClr val="accent1"/>
+          </a:fillRef>
+          <a:effectRef idx="0">
+            <a:schemeClr val="accent1"/>
+          </a:effectRef>
+          <a:fontRef idx="minor">
+            <a:schemeClr val="lt1"/>
+          </a:fontRef>
+        </p:style>
+        <p:txBody>
+          <a:bodyPr rtlCol="0" anchor="ctr"/>
+          <a:lstStyle/>
+          <a:p>
+            <a:pPr algn="ctr"/>
+            <a:r>
+              <a:rPr lang="fi-FI" dirty="0" smtClean="0">
+                <a:solidFill>
+                  <a:schemeClr val="tx1"/>
+                </a:solidFill>
+              </a:rPr>
+              <a:t>Tallenna Muutokset</a:t>
+            </a:r>
+            <a:endParaRPr lang="fi-FI" dirty="0">
+              <a:solidFill>
+                <a:schemeClr val="tx1"/>
+              </a:solidFill>
+            </a:endParaRPr>
+          </a:p>
+        </p:txBody>
+      </p:sp>
+      <p:sp>
+        <p:nvSpPr>
+          <p:cNvPr id="21" name="TextBox 20"/>
+          <p:cNvSpPr txBox="1"/>
+          <p:nvPr/>
+        </p:nvSpPr>
+        <p:spPr>
+          <a:xfrm>
+            <a:off x="2723143" y="1177221"/>
+            <a:ext cx="4050633" cy="369332"/>
+          </a:xfrm>
+          <a:prstGeom prst="rect">
+            <a:avLst/>
+          </a:prstGeom>
+          <a:noFill/>
+        </p:spPr>
+        <p:txBody>
+          <a:bodyPr wrap="square" rtlCol="0">
+            <a:spAutoFit/>
+          </a:bodyPr>
+          <a:lstStyle/>
+          <a:p>
+            <a:r>
+              <a:rPr lang="fi-FI" dirty="0" smtClean="0"/>
+              <a:t>Nimi</a:t>
+            </a:r>
+            <a:endParaRPr lang="fi-FI" dirty="0"/>
+          </a:p>
+        </p:txBody>
+      </p:sp>
+      <p:sp>
+        <p:nvSpPr>
+          <p:cNvPr id="22" name="TextBox 21"/>
+          <p:cNvSpPr txBox="1"/>
+          <p:nvPr/>
+        </p:nvSpPr>
+        <p:spPr>
+          <a:xfrm>
+            <a:off x="2723143" y="1994623"/>
+            <a:ext cx="4050633" cy="369332"/>
+          </a:xfrm>
+          <a:prstGeom prst="rect">
+            <a:avLst/>
+          </a:prstGeom>
+          <a:noFill/>
+        </p:spPr>
+        <p:txBody>
+          <a:bodyPr wrap="square" rtlCol="0">
+            <a:spAutoFit/>
+          </a:bodyPr>
+          <a:lstStyle/>
+          <a:p>
+            <a:r>
+              <a:rPr lang="fi-FI" dirty="0" err="1" smtClean="0"/>
+              <a:t>Puhelinnro</a:t>
+            </a:r>
+            <a:endParaRPr lang="fi-FI" dirty="0"/>
+          </a:p>
+        </p:txBody>
+      </p:sp>
+      <p:sp>
+        <p:nvSpPr>
+          <p:cNvPr id="23" name="TextBox 22"/>
+          <p:cNvSpPr txBox="1"/>
+          <p:nvPr/>
+        </p:nvSpPr>
+        <p:spPr>
+          <a:xfrm>
+            <a:off x="2719133" y="2903891"/>
+            <a:ext cx="4050633" cy="369332"/>
+          </a:xfrm>
+          <a:prstGeom prst="rect">
+            <a:avLst/>
+          </a:prstGeom>
+          <a:noFill/>
+        </p:spPr>
+        <p:txBody>
+          <a:bodyPr wrap="square" rtlCol="0">
+            <a:spAutoFit/>
+          </a:bodyPr>
+          <a:lstStyle/>
+          <a:p>
+            <a:r>
+              <a:rPr lang="fi-FI" dirty="0" smtClean="0"/>
+              <a:t>Sähköposti</a:t>
+            </a:r>
+            <a:endParaRPr lang="fi-FI" dirty="0"/>
+          </a:p>
+        </p:txBody>
+      </p:sp>
+      <p:sp>
+        <p:nvSpPr>
+          <p:cNvPr id="24" name="TextBox 23"/>
+          <p:cNvSpPr txBox="1"/>
+          <p:nvPr/>
+        </p:nvSpPr>
+        <p:spPr>
+          <a:xfrm>
+            <a:off x="2735176" y="3802462"/>
+            <a:ext cx="4050633" cy="369332"/>
+          </a:xfrm>
+          <a:prstGeom prst="rect">
+            <a:avLst/>
+          </a:prstGeom>
+          <a:noFill/>
+        </p:spPr>
+        <p:txBody>
+          <a:bodyPr wrap="square" rtlCol="0">
+            <a:spAutoFit/>
+          </a:bodyPr>
+          <a:lstStyle/>
+          <a:p>
+            <a:r>
+              <a:rPr lang="fi-FI" dirty="0" smtClean="0"/>
+              <a:t>Paikka</a:t>
+            </a:r>
+            <a:endParaRPr lang="fi-FI" dirty="0"/>
+          </a:p>
+        </p:txBody>
+      </p:sp>
+      <p:sp>
+        <p:nvSpPr>
+          <p:cNvPr id="25" name="Rectangle 24"/>
+          <p:cNvSpPr/>
+          <p:nvPr/>
+        </p:nvSpPr>
+        <p:spPr>
+          <a:xfrm>
+            <a:off x="2723143" y="1514358"/>
+            <a:ext cx="3850106" cy="449178"/>
+          </a:xfrm>
+          <a:prstGeom prst="rect">
+            <a:avLst/>
+          </a:prstGeom>
+          <a:solidFill>
+            <a:schemeClr val="bg1"/>
+          </a:solidFill>
+        </p:spPr>
+        <p:style>
+          <a:lnRef idx="2">
+            <a:schemeClr val="accent1">
+              <a:shade val="50000"/>
+            </a:schemeClr>
+          </a:lnRef>
+          <a:fillRef idx="1">
+            <a:schemeClr val="accent1"/>
+          </a:fillRef>
+          <a:effectRef idx="0">
+            <a:schemeClr val="accent1"/>
+          </a:effectRef>
+          <a:fontRef idx="minor">
+            <a:schemeClr val="lt1"/>
+          </a:fontRef>
+        </p:style>
+        <p:txBody>
+          <a:bodyPr rtlCol="0" anchor="ctr"/>
+          <a:lstStyle/>
+          <a:p>
+            <a:pPr algn="ctr"/>
+            <a:r>
+              <a:rPr lang="fi-FI" dirty="0" smtClean="0">
+                <a:solidFill>
+                  <a:schemeClr val="tx1"/>
+                </a:solidFill>
+              </a:rPr>
+              <a:t>Joonas Kuukivi</a:t>
+            </a:r>
+            <a:endParaRPr lang="fi-FI" dirty="0">
+              <a:solidFill>
+                <a:schemeClr val="tx1"/>
+              </a:solidFill>
+            </a:endParaRPr>
+          </a:p>
+        </p:txBody>
+      </p:sp>
+      <p:sp>
+        <p:nvSpPr>
+          <p:cNvPr id="26" name="Rectangle 25"/>
+          <p:cNvSpPr/>
+          <p:nvPr/>
+        </p:nvSpPr>
+        <p:spPr>
+          <a:xfrm>
+            <a:off x="2723143" y="2351232"/>
+            <a:ext cx="3850106" cy="449178"/>
+          </a:xfrm>
+          <a:prstGeom prst="rect">
+            <a:avLst/>
+          </a:prstGeom>
+          <a:solidFill>
+            <a:schemeClr val="bg1"/>
+          </a:solidFill>
+        </p:spPr>
+        <p:style>
+          <a:lnRef idx="2">
+            <a:schemeClr val="accent1">
+              <a:shade val="50000"/>
+            </a:schemeClr>
+          </a:lnRef>
+          <a:fillRef idx="1">
+            <a:schemeClr val="accent1"/>
+          </a:fillRef>
+          <a:effectRef idx="0">
+            <a:schemeClr val="accent1"/>
+          </a:effectRef>
+          <a:fontRef idx="minor">
+            <a:schemeClr val="lt1"/>
+          </a:fontRef>
+        </p:style>
+        <p:txBody>
+          <a:bodyPr rtlCol="0" anchor="ctr"/>
+          <a:lstStyle/>
+          <a:p>
+            <a:pPr algn="ctr"/>
+            <a:r>
+              <a:rPr lang="fi-FI" dirty="0" smtClean="0">
+                <a:solidFill>
+                  <a:schemeClr val="tx1"/>
+                </a:solidFill>
+              </a:rPr>
+              <a:t>0100100</a:t>
+            </a:r>
+            <a:endParaRPr lang="fi-FI" dirty="0">
+              <a:solidFill>
+                <a:schemeClr val="tx1"/>
+              </a:solidFill>
+            </a:endParaRPr>
+          </a:p>
+        </p:txBody>
+      </p:sp>
+      <p:sp>
+        <p:nvSpPr>
+          <p:cNvPr id="33" name="Rectangle 32"/>
+          <p:cNvSpPr/>
+          <p:nvPr/>
+        </p:nvSpPr>
+        <p:spPr>
+          <a:xfrm>
+            <a:off x="2723143" y="3289266"/>
+            <a:ext cx="3850106" cy="449178"/>
+          </a:xfrm>
+          <a:prstGeom prst="rect">
+            <a:avLst/>
+          </a:prstGeom>
+          <a:solidFill>
+            <a:schemeClr val="bg1"/>
+          </a:solidFill>
+        </p:spPr>
+        <p:style>
+          <a:lnRef idx="2">
+            <a:schemeClr val="accent1">
+              <a:shade val="50000"/>
+            </a:schemeClr>
+          </a:lnRef>
+          <a:fillRef idx="1">
+            <a:schemeClr val="accent1"/>
+          </a:fillRef>
+          <a:effectRef idx="0">
+            <a:schemeClr val="accent1"/>
+          </a:effectRef>
+          <a:fontRef idx="minor">
+            <a:schemeClr val="lt1"/>
+          </a:fontRef>
+        </p:style>
+        <p:txBody>
+          <a:bodyPr rtlCol="0" anchor="ctr"/>
+          <a:lstStyle/>
+          <a:p>
+            <a:pPr algn="ctr"/>
+            <a:r>
+              <a:rPr lang="fi-FI" dirty="0" smtClean="0">
+                <a:solidFill>
+                  <a:schemeClr val="tx1"/>
+                </a:solidFill>
+              </a:rPr>
+              <a:t>JoonaksenMaa@gmail.com</a:t>
+            </a:r>
+            <a:endParaRPr lang="fi-FI" dirty="0">
+              <a:solidFill>
+                <a:schemeClr val="tx1"/>
+              </a:solidFill>
+            </a:endParaRPr>
+          </a:p>
+        </p:txBody>
+      </p:sp>
+      <p:sp>
+        <p:nvSpPr>
+          <p:cNvPr id="34" name="Rectangle 33"/>
+          <p:cNvSpPr/>
+          <p:nvPr/>
+        </p:nvSpPr>
+        <p:spPr>
+          <a:xfrm>
+            <a:off x="2735176" y="4170686"/>
+            <a:ext cx="3850106" cy="449178"/>
+          </a:xfrm>
+          <a:prstGeom prst="rect">
+            <a:avLst/>
+          </a:prstGeom>
+          <a:solidFill>
+            <a:schemeClr val="bg1"/>
+          </a:solidFill>
+        </p:spPr>
+        <p:style>
+          <a:lnRef idx="2">
+            <a:schemeClr val="accent1">
+              <a:shade val="50000"/>
+            </a:schemeClr>
+          </a:lnRef>
+          <a:fillRef idx="1">
+            <a:schemeClr val="accent1"/>
+          </a:fillRef>
+          <a:effectRef idx="0">
+            <a:schemeClr val="accent1"/>
+          </a:effectRef>
+          <a:fontRef idx="minor">
+            <a:schemeClr val="lt1"/>
+          </a:fontRef>
+        </p:style>
+        <p:txBody>
+          <a:bodyPr rtlCol="0" anchor="ctr"/>
+          <a:lstStyle/>
+          <a:p>
+            <a:pPr algn="ctr"/>
+            <a:r>
+              <a:rPr lang="fi-FI" dirty="0" smtClean="0">
+                <a:solidFill>
+                  <a:schemeClr val="tx1"/>
+                </a:solidFill>
+              </a:rPr>
+              <a:t>76</a:t>
+            </a:r>
+            <a:endParaRPr lang="fi-FI" dirty="0">
+              <a:solidFill>
+                <a:schemeClr val="tx1"/>
+              </a:solidFill>
+            </a:endParaRPr>
+          </a:p>
+        </p:txBody>
+      </p:sp>
+    </p:spTree>
+    <p:extLst>
+      <p:ext uri="{BB962C8B-B14F-4D97-AF65-F5344CB8AC3E}">
+        <p14:creationId xmlns:p14="http://schemas.microsoft.com/office/powerpoint/2010/main" val="2423062206"/>
+      </p:ext>
+    </p:extLst>
+  </p:cSld>
+  <p:clrMapOvr>
+    <a:masterClrMapping/>
+  </p:clrMapOvr>
+  <p:timing>
+    <p:tnLst>
+      <p:par>
+        <p:cTn id="1" dur="indefinite" restart="never" nodeType="tmRoot"/>
+      </p:par>
+    </p:tnLst>
+  </p:timing>
+</p:sld>
+</file>
+
+<file path=ppt/slides/slide4.xml><?xml version="1.0" encoding="utf-8"?>
+<p:sld xmlns:a="http://schemas.openxmlformats.org/drawingml/2006/main" xmlns:r="http://schemas.openxmlformats.org/officeDocument/2006/relationships" xmlns:p="http://schemas.openxmlformats.org/presentationml/2006/main">
+  <p:cSld>
+    <p:spTree>
+      <p:nvGrpSpPr>
+        <p:cNvPr id="1" name=""/>
+        <p:cNvGrpSpPr/>
+        <p:nvPr/>
+      </p:nvGrpSpPr>
+      <p:grpSpPr>
+        <a:xfrm>
+          <a:off x="0" y="0"/>
+          <a:ext cx="0" cy="0"/>
+          <a:chOff x="0" y="0"/>
+          <a:chExt cx="0" cy="0"/>
+        </a:xfrm>
+      </p:grpSpPr>
+      <p:pic>
+        <p:nvPicPr>
+          <p:cNvPr id="15" name="Picture 14"/>
+          <p:cNvPicPr>
+            <a:picLocks noChangeAspect="1"/>
+          </p:cNvPicPr>
+          <p:nvPr/>
+        </p:nvPicPr>
+        <p:blipFill>
+          <a:blip r:embed="rId2" cstate="print">
+            <a:extLst>
+              <a:ext uri="{28A0092B-C50C-407E-A947-70E740481C1C}">
+                <a14:useLocalDpi xmlns:a14="http://schemas.microsoft.com/office/drawing/2010/main" val="0"/>
+              </a:ext>
+            </a:extLst>
+          </a:blip>
+          <a:stretch>
+            <a:fillRect/>
+          </a:stretch>
+        </p:blipFill>
+        <p:spPr>
+          <a:xfrm>
+            <a:off x="0" y="3830"/>
+            <a:ext cx="12192000" cy="6852786"/>
+          </a:xfrm>
+          <a:prstGeom prst="rect">
+            <a:avLst/>
+          </a:prstGeom>
+        </p:spPr>
+      </p:pic>
+      <p:sp>
+        <p:nvSpPr>
+          <p:cNvPr id="2" name="Rectangle 1"/>
+          <p:cNvSpPr/>
+          <p:nvPr/>
+        </p:nvSpPr>
+        <p:spPr>
+          <a:xfrm>
+            <a:off x="2438400" y="224590"/>
+            <a:ext cx="7507705" cy="6208295"/>
+          </a:xfrm>
+          <a:prstGeom prst="rect">
+            <a:avLst/>
+          </a:prstGeom>
+          <a:solidFill>
+            <a:schemeClr val="bg1">
+              <a:lumMod val="85000"/>
+              <a:alpha val="92000"/>
+            </a:schemeClr>
+          </a:solidFill>
+        </p:spPr>
+        <p:style>
+          <a:lnRef idx="2">
+            <a:schemeClr val="accent1">
+              <a:shade val="50000"/>
+            </a:schemeClr>
+          </a:lnRef>
+          <a:fillRef idx="1">
+            <a:schemeClr val="accent1"/>
+          </a:fillRef>
+          <a:effectRef idx="0">
+            <a:schemeClr val="accent1"/>
+          </a:effectRef>
+          <a:fontRef idx="minor">
+            <a:schemeClr val="lt1"/>
+          </a:fontRef>
+        </p:style>
+        <p:txBody>
+          <a:bodyPr rtlCol="0" anchor="ctr"/>
+          <a:lstStyle/>
+          <a:p>
+            <a:pPr algn="ctr"/>
+            <a:endParaRPr lang="fi-FI"/>
+          </a:p>
+        </p:txBody>
+      </p:sp>
+      <p:sp>
+        <p:nvSpPr>
+          <p:cNvPr id="4" name="TextBox 3"/>
+          <p:cNvSpPr txBox="1"/>
+          <p:nvPr/>
+        </p:nvSpPr>
+        <p:spPr>
+          <a:xfrm>
+            <a:off x="6472989" y="336885"/>
+            <a:ext cx="2983831" cy="369332"/>
+          </a:xfrm>
+          <a:prstGeom prst="rect">
+            <a:avLst/>
+          </a:prstGeom>
+          <a:noFill/>
+        </p:spPr>
+        <p:txBody>
+          <a:bodyPr wrap="square" rtlCol="0">
+            <a:spAutoFit/>
+          </a:bodyPr>
+          <a:lstStyle/>
+          <a:p>
+            <a:r>
+              <a:rPr lang="fi-FI" dirty="0" smtClean="0"/>
+              <a:t>kirjaudu</a:t>
+            </a:r>
+            <a:endParaRPr lang="fi-FI" dirty="0"/>
+          </a:p>
+        </p:txBody>
+      </p:sp>
+      <p:sp>
+        <p:nvSpPr>
+          <p:cNvPr id="5" name="Rectangle 4"/>
+          <p:cNvSpPr/>
+          <p:nvPr/>
+        </p:nvSpPr>
+        <p:spPr>
+          <a:xfrm>
+            <a:off x="2622883" y="1171075"/>
+            <a:ext cx="3850106" cy="449178"/>
+          </a:xfrm>
+          <a:prstGeom prst="rect">
+            <a:avLst/>
+          </a:prstGeom>
+          <a:solidFill>
+            <a:schemeClr val="bg1"/>
+          </a:solidFill>
+        </p:spPr>
+        <p:style>
+          <a:lnRef idx="2">
+            <a:schemeClr val="accent1">
+              <a:shade val="50000"/>
+            </a:schemeClr>
+          </a:lnRef>
+          <a:fillRef idx="1">
+            <a:schemeClr val="accent1"/>
+          </a:fillRef>
+          <a:effectRef idx="0">
+            <a:schemeClr val="accent1"/>
+          </a:effectRef>
+          <a:fontRef idx="minor">
+            <a:schemeClr val="lt1"/>
+          </a:fontRef>
+        </p:style>
+        <p:txBody>
+          <a:bodyPr rtlCol="0" anchor="ctr"/>
+          <a:lstStyle/>
+          <a:p>
+            <a:pPr algn="ctr"/>
+            <a:endParaRPr lang="fi-FI" dirty="0">
+              <a:solidFill>
+                <a:schemeClr val="tx1"/>
+              </a:solidFill>
+            </a:endParaRPr>
+          </a:p>
+        </p:txBody>
+      </p:sp>
+      <p:sp>
+        <p:nvSpPr>
+          <p:cNvPr id="6" name="TextBox 5"/>
+          <p:cNvSpPr txBox="1"/>
+          <p:nvPr/>
+        </p:nvSpPr>
+        <p:spPr>
+          <a:xfrm>
+            <a:off x="2622883" y="753980"/>
+            <a:ext cx="4050633" cy="369332"/>
+          </a:xfrm>
+          <a:prstGeom prst="rect">
+            <a:avLst/>
+          </a:prstGeom>
+          <a:noFill/>
+        </p:spPr>
+        <p:txBody>
+          <a:bodyPr wrap="square" rtlCol="0">
+            <a:spAutoFit/>
+          </a:bodyPr>
+          <a:lstStyle/>
+          <a:p>
+            <a:r>
+              <a:rPr lang="fi-FI" dirty="0" smtClean="0"/>
+              <a:t>käyttäjätunnus</a:t>
+            </a:r>
+            <a:endParaRPr lang="fi-FI" dirty="0"/>
+          </a:p>
+        </p:txBody>
+      </p:sp>
+      <p:sp>
+        <p:nvSpPr>
+          <p:cNvPr id="14" name="Rectangle 13"/>
+          <p:cNvSpPr/>
+          <p:nvPr/>
+        </p:nvSpPr>
+        <p:spPr>
+          <a:xfrm>
+            <a:off x="7226967" y="4879172"/>
+            <a:ext cx="1965159" cy="990600"/>
+          </a:xfrm>
+          <a:prstGeom prst="rect">
+            <a:avLst/>
+          </a:prstGeom>
+        </p:spPr>
+        <p:style>
+          <a:lnRef idx="2">
+            <a:schemeClr val="accent1">
+              <a:shade val="50000"/>
+            </a:schemeClr>
+          </a:lnRef>
+          <a:fillRef idx="1">
+            <a:schemeClr val="accent1"/>
+          </a:fillRef>
+          <a:effectRef idx="0">
+            <a:schemeClr val="accent1"/>
+          </a:effectRef>
+          <a:fontRef idx="minor">
+            <a:schemeClr val="lt1"/>
+          </a:fontRef>
+        </p:style>
+        <p:txBody>
+          <a:bodyPr rtlCol="0" anchor="ctr"/>
+          <a:lstStyle/>
+          <a:p>
+            <a:pPr algn="ctr"/>
+            <a:r>
+              <a:rPr lang="fi-FI" dirty="0" smtClean="0"/>
+              <a:t>Kirjaudu</a:t>
+            </a:r>
+            <a:endParaRPr lang="fi-FI" dirty="0"/>
+          </a:p>
+        </p:txBody>
+      </p:sp>
+      <p:sp>
+        <p:nvSpPr>
+          <p:cNvPr id="16" name="TextBox 15"/>
+          <p:cNvSpPr txBox="1"/>
+          <p:nvPr/>
+        </p:nvSpPr>
+        <p:spPr>
+          <a:xfrm>
+            <a:off x="2622883" y="1683876"/>
+            <a:ext cx="4050633" cy="369332"/>
+          </a:xfrm>
+          <a:prstGeom prst="rect">
+            <a:avLst/>
+          </a:prstGeom>
+          <a:noFill/>
+        </p:spPr>
+        <p:txBody>
+          <a:bodyPr wrap="square" rtlCol="0">
+            <a:spAutoFit/>
+          </a:bodyPr>
+          <a:lstStyle/>
+          <a:p>
+            <a:r>
+              <a:rPr lang="fi-FI" dirty="0" smtClean="0"/>
+              <a:t>salasana</a:t>
+            </a:r>
+            <a:endParaRPr lang="fi-FI" dirty="0"/>
+          </a:p>
+        </p:txBody>
+      </p:sp>
+      <p:sp>
+        <p:nvSpPr>
+          <p:cNvPr id="17" name="Rectangle 16"/>
+          <p:cNvSpPr/>
+          <p:nvPr/>
+        </p:nvSpPr>
+        <p:spPr>
+          <a:xfrm>
+            <a:off x="2622883" y="2031789"/>
+            <a:ext cx="3850106" cy="449178"/>
+          </a:xfrm>
+          <a:prstGeom prst="rect">
+            <a:avLst/>
+          </a:prstGeom>
+          <a:solidFill>
+            <a:schemeClr val="bg1"/>
+          </a:solidFill>
+        </p:spPr>
+        <p:style>
+          <a:lnRef idx="2">
+            <a:schemeClr val="accent1">
+              <a:shade val="50000"/>
+            </a:schemeClr>
+          </a:lnRef>
+          <a:fillRef idx="1">
+            <a:schemeClr val="accent1"/>
+          </a:fillRef>
+          <a:effectRef idx="0">
+            <a:schemeClr val="accent1"/>
+          </a:effectRef>
+          <a:fontRef idx="minor">
+            <a:schemeClr val="lt1"/>
+          </a:fontRef>
+        </p:style>
+        <p:txBody>
+          <a:bodyPr rtlCol="0" anchor="ctr"/>
+          <a:lstStyle/>
+          <a:p>
+            <a:pPr algn="ctr"/>
+            <a:endParaRPr lang="fi-FI" dirty="0">
+              <a:solidFill>
+                <a:schemeClr val="tx1"/>
+              </a:solidFill>
+            </a:endParaRPr>
+          </a:p>
+        </p:txBody>
+      </p:sp>
+    </p:spTree>
+    <p:extLst>
+      <p:ext uri="{BB962C8B-B14F-4D97-AF65-F5344CB8AC3E}">
+        <p14:creationId xmlns:p14="http://schemas.microsoft.com/office/powerpoint/2010/main" val="3742610110"/>
+      </p:ext>
+    </p:extLst>
+  </p:cSld>
+  <p:clrMapOvr>
+    <a:masterClrMapping/>
+  </p:clrMapOvr>
+  <p:timing>
+    <p:tnLst>
+      <p:par>
+        <p:cTn id="1" dur="indefinite" restart="never" nodeType="tmRoot"/>
+      </p:par>
+    </p:tnLst>
+  </p:timing>
+</p:sld>
+</file>
+
+<file path=ppt/slides/slide5.xml><?xml version="1.0" encoding="utf-8"?>
+<p:sld xmlns:a="http://schemas.openxmlformats.org/drawingml/2006/main" xmlns:r="http://schemas.openxmlformats.org/officeDocument/2006/relationships" xmlns:p="http://schemas.openxmlformats.org/presentationml/2006/main">
+  <p:cSld>
+    <p:spTree>
+      <p:nvGrpSpPr>
+        <p:cNvPr id="1" name=""/>
+        <p:cNvGrpSpPr/>
+        <p:nvPr/>
+      </p:nvGrpSpPr>
+      <p:grpSpPr>
+        <a:xfrm>
+          <a:off x="0" y="0"/>
+          <a:ext cx="0" cy="0"/>
+          <a:chOff x="0" y="0"/>
+          <a:chExt cx="0" cy="0"/>
+        </a:xfrm>
+      </p:grpSpPr>
+      <p:pic>
+        <p:nvPicPr>
+          <p:cNvPr id="15" name="Picture 14"/>
+          <p:cNvPicPr>
+            <a:picLocks noChangeAspect="1"/>
+          </p:cNvPicPr>
+          <p:nvPr/>
+        </p:nvPicPr>
+        <p:blipFill>
+          <a:blip r:embed="rId2" cstate="print">
+            <a:extLst>
+              <a:ext uri="{28A0092B-C50C-407E-A947-70E740481C1C}">
+                <a14:useLocalDpi xmlns:a14="http://schemas.microsoft.com/office/drawing/2010/main" val="0"/>
+              </a:ext>
+            </a:extLst>
+          </a:blip>
+          <a:stretch>
+            <a:fillRect/>
+          </a:stretch>
+        </p:blipFill>
+        <p:spPr>
+          <a:xfrm>
+            <a:off x="0" y="3830"/>
+            <a:ext cx="12192000" cy="6852786"/>
+          </a:xfrm>
+          <a:prstGeom prst="rect">
+            <a:avLst/>
+          </a:prstGeom>
+        </p:spPr>
+      </p:pic>
+      <p:sp>
+        <p:nvSpPr>
+          <p:cNvPr id="2" name="Rectangle 1"/>
+          <p:cNvSpPr/>
+          <p:nvPr/>
+        </p:nvSpPr>
+        <p:spPr>
+          <a:xfrm>
+            <a:off x="2438400" y="224590"/>
+            <a:ext cx="7507705" cy="6208295"/>
+          </a:xfrm>
+          <a:prstGeom prst="rect">
+            <a:avLst/>
+          </a:prstGeom>
+          <a:solidFill>
+            <a:schemeClr val="bg1">
+              <a:lumMod val="85000"/>
+              <a:alpha val="92000"/>
+            </a:schemeClr>
+          </a:solidFill>
+        </p:spPr>
+        <p:style>
+          <a:lnRef idx="2">
+            <a:schemeClr val="accent1">
+              <a:shade val="50000"/>
+            </a:schemeClr>
+          </a:lnRef>
+          <a:fillRef idx="1">
+            <a:schemeClr val="accent1"/>
+          </a:fillRef>
+          <a:effectRef idx="0">
+            <a:schemeClr val="accent1"/>
+          </a:effectRef>
+          <a:fontRef idx="minor">
+            <a:schemeClr val="lt1"/>
+          </a:fontRef>
+        </p:style>
+        <p:txBody>
+          <a:bodyPr rtlCol="0" anchor="ctr"/>
+          <a:lstStyle/>
+          <a:p>
+            <a:pPr algn="ctr"/>
+            <a:endParaRPr lang="fi-FI"/>
+          </a:p>
+        </p:txBody>
+      </p:sp>
+      <p:sp>
+        <p:nvSpPr>
+          <p:cNvPr id="4" name="TextBox 3"/>
+          <p:cNvSpPr txBox="1"/>
+          <p:nvPr/>
+        </p:nvSpPr>
+        <p:spPr>
+          <a:xfrm>
             <a:off x="5313945" y="303160"/>
             <a:ext cx="2983831" cy="369332"/>
           </a:xfrm>

--- a/testikansio/Presentation1.pptx
+++ b/testikansio/Presentation1.pptx
@@ -9,7 +9,8 @@
     <p:sldId id="259" r:id="rId3"/>
     <p:sldId id="261" r:id="rId4"/>
     <p:sldId id="260" r:id="rId5"/>
-    <p:sldId id="258" r:id="rId6"/>
+    <p:sldId id="262" r:id="rId6"/>
+    <p:sldId id="258" r:id="rId7"/>
   </p:sldIdLst>
   <p:sldSz cx="12192000" cy="6858000"/>
   <p:notesSz cx="6858000" cy="9144000"/>
@@ -247,7 +248,7 @@
           <a:p>
             <a:fld id="{14D7C312-A0AF-4A56-AD54-A4007D75C258}" type="datetimeFigureOut">
               <a:rPr lang="fi-FI" smtClean="0"/>
-              <a:t>8.3.2018</a:t>
+              <a:t>9.3.2018</a:t>
             </a:fld>
             <a:endParaRPr lang="fi-FI"/>
           </a:p>
@@ -417,7 +418,7 @@
           <a:p>
             <a:fld id="{14D7C312-A0AF-4A56-AD54-A4007D75C258}" type="datetimeFigureOut">
               <a:rPr lang="fi-FI" smtClean="0"/>
-              <a:t>8.3.2018</a:t>
+              <a:t>9.3.2018</a:t>
             </a:fld>
             <a:endParaRPr lang="fi-FI"/>
           </a:p>
@@ -597,7 +598,7 @@
           <a:p>
             <a:fld id="{14D7C312-A0AF-4A56-AD54-A4007D75C258}" type="datetimeFigureOut">
               <a:rPr lang="fi-FI" smtClean="0"/>
-              <a:t>8.3.2018</a:t>
+              <a:t>9.3.2018</a:t>
             </a:fld>
             <a:endParaRPr lang="fi-FI"/>
           </a:p>
@@ -767,7 +768,7 @@
           <a:p>
             <a:fld id="{14D7C312-A0AF-4A56-AD54-A4007D75C258}" type="datetimeFigureOut">
               <a:rPr lang="fi-FI" smtClean="0"/>
-              <a:t>8.3.2018</a:t>
+              <a:t>9.3.2018</a:t>
             </a:fld>
             <a:endParaRPr lang="fi-FI"/>
           </a:p>
@@ -1013,7 +1014,7 @@
           <a:p>
             <a:fld id="{14D7C312-A0AF-4A56-AD54-A4007D75C258}" type="datetimeFigureOut">
               <a:rPr lang="fi-FI" smtClean="0"/>
-              <a:t>8.3.2018</a:t>
+              <a:t>9.3.2018</a:t>
             </a:fld>
             <a:endParaRPr lang="fi-FI"/>
           </a:p>
@@ -1245,7 +1246,7 @@
           <a:p>
             <a:fld id="{14D7C312-A0AF-4A56-AD54-A4007D75C258}" type="datetimeFigureOut">
               <a:rPr lang="fi-FI" smtClean="0"/>
-              <a:t>8.3.2018</a:t>
+              <a:t>9.3.2018</a:t>
             </a:fld>
             <a:endParaRPr lang="fi-FI"/>
           </a:p>
@@ -1612,7 +1613,7 @@
           <a:p>
             <a:fld id="{14D7C312-A0AF-4A56-AD54-A4007D75C258}" type="datetimeFigureOut">
               <a:rPr lang="fi-FI" smtClean="0"/>
-              <a:t>8.3.2018</a:t>
+              <a:t>9.3.2018</a:t>
             </a:fld>
             <a:endParaRPr lang="fi-FI"/>
           </a:p>
@@ -1730,7 +1731,7 @@
           <a:p>
             <a:fld id="{14D7C312-A0AF-4A56-AD54-A4007D75C258}" type="datetimeFigureOut">
               <a:rPr lang="fi-FI" smtClean="0"/>
-              <a:t>8.3.2018</a:t>
+              <a:t>9.3.2018</a:t>
             </a:fld>
             <a:endParaRPr lang="fi-FI"/>
           </a:p>
@@ -1825,7 +1826,7 @@
           <a:p>
             <a:fld id="{14D7C312-A0AF-4A56-AD54-A4007D75C258}" type="datetimeFigureOut">
               <a:rPr lang="fi-FI" smtClean="0"/>
-              <a:t>8.3.2018</a:t>
+              <a:t>9.3.2018</a:t>
             </a:fld>
             <a:endParaRPr lang="fi-FI"/>
           </a:p>
@@ -2102,7 +2103,7 @@
           <a:p>
             <a:fld id="{14D7C312-A0AF-4A56-AD54-A4007D75C258}" type="datetimeFigureOut">
               <a:rPr lang="fi-FI" smtClean="0"/>
-              <a:t>8.3.2018</a:t>
+              <a:t>9.3.2018</a:t>
             </a:fld>
             <a:endParaRPr lang="fi-FI"/>
           </a:p>
@@ -2355,7 +2356,7 @@
           <a:p>
             <a:fld id="{14D7C312-A0AF-4A56-AD54-A4007D75C258}" type="datetimeFigureOut">
               <a:rPr lang="fi-FI" smtClean="0"/>
-              <a:t>8.3.2018</a:t>
+              <a:t>9.3.2018</a:t>
             </a:fld>
             <a:endParaRPr lang="fi-FI"/>
           </a:p>
@@ -2568,7 +2569,7 @@
           <a:p>
             <a:fld id="{14D7C312-A0AF-4A56-AD54-A4007D75C258}" type="datetimeFigureOut">
               <a:rPr lang="fi-FI" smtClean="0"/>
-              <a:t>8.3.2018</a:t>
+              <a:t>9.3.2018</a:t>
             </a:fld>
             <a:endParaRPr lang="fi-FI"/>
           </a:p>
@@ -5639,6 +5640,617 @@
         </p:nvSpPr>
         <p:spPr>
           <a:xfrm>
+            <a:off x="5446294" y="336795"/>
+            <a:ext cx="2983831" cy="369332"/>
+          </a:xfrm>
+          <a:prstGeom prst="rect">
+            <a:avLst/>
+          </a:prstGeom>
+          <a:noFill/>
+        </p:spPr>
+        <p:txBody>
+          <a:bodyPr wrap="square" rtlCol="0">
+            <a:spAutoFit/>
+          </a:bodyPr>
+          <a:lstStyle/>
+          <a:p>
+            <a:r>
+              <a:rPr lang="fi-FI" dirty="0" smtClean="0"/>
+              <a:t>Muokkaa turnausta</a:t>
+            </a:r>
+            <a:endParaRPr lang="fi-FI" dirty="0"/>
+          </a:p>
+        </p:txBody>
+      </p:sp>
+      <p:sp>
+        <p:nvSpPr>
+          <p:cNvPr id="5" name="Rectangle 4"/>
+          <p:cNvSpPr/>
+          <p:nvPr/>
+        </p:nvSpPr>
+        <p:spPr>
+          <a:xfrm>
+            <a:off x="2622883" y="1171075"/>
+            <a:ext cx="3850106" cy="449178"/>
+          </a:xfrm>
+          <a:prstGeom prst="rect">
+            <a:avLst/>
+          </a:prstGeom>
+          <a:solidFill>
+            <a:schemeClr val="bg1"/>
+          </a:solidFill>
+        </p:spPr>
+        <p:style>
+          <a:lnRef idx="2">
+            <a:schemeClr val="accent1">
+              <a:shade val="50000"/>
+            </a:schemeClr>
+          </a:lnRef>
+          <a:fillRef idx="1">
+            <a:schemeClr val="accent1"/>
+          </a:fillRef>
+          <a:effectRef idx="0">
+            <a:schemeClr val="accent1"/>
+          </a:effectRef>
+          <a:fontRef idx="minor">
+            <a:schemeClr val="lt1"/>
+          </a:fontRef>
+        </p:style>
+        <p:txBody>
+          <a:bodyPr rtlCol="0" anchor="ctr"/>
+          <a:lstStyle/>
+          <a:p>
+            <a:pPr algn="ctr"/>
+            <a:r>
+              <a:rPr lang="fi-FI" dirty="0" err="1" smtClean="0">
+                <a:solidFill>
+                  <a:schemeClr val="tx1"/>
+                </a:solidFill>
+              </a:rPr>
+              <a:t>Roblox</a:t>
+            </a:r>
+            <a:r>
+              <a:rPr lang="fi-FI" dirty="0" smtClean="0">
+                <a:solidFill>
+                  <a:schemeClr val="tx1"/>
+                </a:solidFill>
+              </a:rPr>
+              <a:t> </a:t>
+            </a:r>
+            <a:r>
+              <a:rPr lang="fi-FI" dirty="0" err="1" smtClean="0">
+                <a:solidFill>
+                  <a:schemeClr val="tx1"/>
+                </a:solidFill>
+              </a:rPr>
+              <a:t>spleef</a:t>
+            </a:r>
+            <a:r>
+              <a:rPr lang="fi-FI" dirty="0" smtClean="0">
+                <a:solidFill>
+                  <a:schemeClr val="tx1"/>
+                </a:solidFill>
+              </a:rPr>
+              <a:t> mestari</a:t>
+            </a:r>
+            <a:endParaRPr lang="fi-FI" dirty="0">
+              <a:solidFill>
+                <a:schemeClr val="tx1"/>
+              </a:solidFill>
+            </a:endParaRPr>
+          </a:p>
+        </p:txBody>
+      </p:sp>
+      <p:sp>
+        <p:nvSpPr>
+          <p:cNvPr id="6" name="TextBox 5"/>
+          <p:cNvSpPr txBox="1"/>
+          <p:nvPr/>
+        </p:nvSpPr>
+        <p:spPr>
+          <a:xfrm>
+            <a:off x="2622883" y="753980"/>
+            <a:ext cx="4050633" cy="369332"/>
+          </a:xfrm>
+          <a:prstGeom prst="rect">
+            <a:avLst/>
+          </a:prstGeom>
+          <a:noFill/>
+        </p:spPr>
+        <p:txBody>
+          <a:bodyPr wrap="square" rtlCol="0">
+            <a:spAutoFit/>
+          </a:bodyPr>
+          <a:lstStyle/>
+          <a:p>
+            <a:r>
+              <a:rPr lang="fi-FI" dirty="0" smtClean="0"/>
+              <a:t>Turnauksen nimi</a:t>
+            </a:r>
+            <a:endParaRPr lang="fi-FI" dirty="0"/>
+          </a:p>
+        </p:txBody>
+      </p:sp>
+      <p:sp>
+        <p:nvSpPr>
+          <p:cNvPr id="14" name="Rectangle 13"/>
+          <p:cNvSpPr/>
+          <p:nvPr/>
+        </p:nvSpPr>
+        <p:spPr>
+          <a:xfrm>
+            <a:off x="7226967" y="4879172"/>
+            <a:ext cx="1965159" cy="990600"/>
+          </a:xfrm>
+          <a:prstGeom prst="rect">
+            <a:avLst/>
+          </a:prstGeom>
+        </p:spPr>
+        <p:style>
+          <a:lnRef idx="2">
+            <a:schemeClr val="accent1">
+              <a:shade val="50000"/>
+            </a:schemeClr>
+          </a:lnRef>
+          <a:fillRef idx="1">
+            <a:schemeClr val="accent1"/>
+          </a:fillRef>
+          <a:effectRef idx="0">
+            <a:schemeClr val="accent1"/>
+          </a:effectRef>
+          <a:fontRef idx="minor">
+            <a:schemeClr val="lt1"/>
+          </a:fontRef>
+        </p:style>
+        <p:txBody>
+          <a:bodyPr rtlCol="0" anchor="ctr"/>
+          <a:lstStyle/>
+          <a:p>
+            <a:pPr algn="ctr"/>
+            <a:r>
+              <a:rPr lang="fi-FI" dirty="0" smtClean="0"/>
+              <a:t>Poista turnaus</a:t>
+            </a:r>
+            <a:endParaRPr lang="fi-FI" dirty="0"/>
+          </a:p>
+        </p:txBody>
+      </p:sp>
+      <p:sp>
+        <p:nvSpPr>
+          <p:cNvPr id="16" name="TextBox 15"/>
+          <p:cNvSpPr txBox="1"/>
+          <p:nvPr/>
+        </p:nvSpPr>
+        <p:spPr>
+          <a:xfrm>
+            <a:off x="2622883" y="1683876"/>
+            <a:ext cx="4050633" cy="369332"/>
+          </a:xfrm>
+          <a:prstGeom prst="rect">
+            <a:avLst/>
+          </a:prstGeom>
+          <a:noFill/>
+        </p:spPr>
+        <p:txBody>
+          <a:bodyPr wrap="square" rtlCol="0">
+            <a:spAutoFit/>
+          </a:bodyPr>
+          <a:lstStyle/>
+          <a:p>
+            <a:r>
+              <a:rPr lang="fi-FI" dirty="0" smtClean="0"/>
+              <a:t>Pelin nimi</a:t>
+            </a:r>
+            <a:endParaRPr lang="fi-FI" dirty="0"/>
+          </a:p>
+        </p:txBody>
+      </p:sp>
+      <p:sp>
+        <p:nvSpPr>
+          <p:cNvPr id="17" name="Rectangle 16"/>
+          <p:cNvSpPr/>
+          <p:nvPr/>
+        </p:nvSpPr>
+        <p:spPr>
+          <a:xfrm>
+            <a:off x="2622883" y="2031789"/>
+            <a:ext cx="3850106" cy="449178"/>
+          </a:xfrm>
+          <a:prstGeom prst="rect">
+            <a:avLst/>
+          </a:prstGeom>
+          <a:solidFill>
+            <a:schemeClr val="bg1"/>
+          </a:solidFill>
+        </p:spPr>
+        <p:style>
+          <a:lnRef idx="2">
+            <a:schemeClr val="accent1">
+              <a:shade val="50000"/>
+            </a:schemeClr>
+          </a:lnRef>
+          <a:fillRef idx="1">
+            <a:schemeClr val="accent1"/>
+          </a:fillRef>
+          <a:effectRef idx="0">
+            <a:schemeClr val="accent1"/>
+          </a:effectRef>
+          <a:fontRef idx="minor">
+            <a:schemeClr val="lt1"/>
+          </a:fontRef>
+        </p:style>
+        <p:txBody>
+          <a:bodyPr rtlCol="0" anchor="ctr"/>
+          <a:lstStyle/>
+          <a:p>
+            <a:pPr algn="ctr"/>
+            <a:r>
+              <a:rPr lang="fi-FI" dirty="0" err="1" smtClean="0">
+                <a:solidFill>
+                  <a:schemeClr val="tx1"/>
+                </a:solidFill>
+              </a:rPr>
+              <a:t>roblox</a:t>
+            </a:r>
+            <a:endParaRPr lang="fi-FI" dirty="0">
+              <a:solidFill>
+                <a:schemeClr val="tx1"/>
+              </a:solidFill>
+            </a:endParaRPr>
+          </a:p>
+        </p:txBody>
+      </p:sp>
+      <p:sp>
+        <p:nvSpPr>
+          <p:cNvPr id="10" name="TextBox 9"/>
+          <p:cNvSpPr txBox="1"/>
+          <p:nvPr/>
+        </p:nvSpPr>
+        <p:spPr>
+          <a:xfrm>
+            <a:off x="2622883" y="2572072"/>
+            <a:ext cx="4050633" cy="369332"/>
+          </a:xfrm>
+          <a:prstGeom prst="rect">
+            <a:avLst/>
+          </a:prstGeom>
+          <a:noFill/>
+        </p:spPr>
+        <p:txBody>
+          <a:bodyPr wrap="square" rtlCol="0">
+            <a:spAutoFit/>
+          </a:bodyPr>
+          <a:lstStyle/>
+          <a:p>
+            <a:r>
+              <a:rPr lang="fi-FI" dirty="0" smtClean="0"/>
+              <a:t>aikataulu</a:t>
+            </a:r>
+            <a:endParaRPr lang="fi-FI" dirty="0"/>
+          </a:p>
+        </p:txBody>
+      </p:sp>
+      <p:sp>
+        <p:nvSpPr>
+          <p:cNvPr id="11" name="Rectangle 10"/>
+          <p:cNvSpPr/>
+          <p:nvPr/>
+        </p:nvSpPr>
+        <p:spPr>
+          <a:xfrm>
+            <a:off x="2622883" y="2919984"/>
+            <a:ext cx="3850106" cy="534725"/>
+          </a:xfrm>
+          <a:prstGeom prst="rect">
+            <a:avLst/>
+          </a:prstGeom>
+          <a:solidFill>
+            <a:schemeClr val="bg1"/>
+          </a:solidFill>
+        </p:spPr>
+        <p:style>
+          <a:lnRef idx="2">
+            <a:schemeClr val="accent1">
+              <a:shade val="50000"/>
+            </a:schemeClr>
+          </a:lnRef>
+          <a:fillRef idx="1">
+            <a:schemeClr val="accent1"/>
+          </a:fillRef>
+          <a:effectRef idx="0">
+            <a:schemeClr val="accent1"/>
+          </a:effectRef>
+          <a:fontRef idx="minor">
+            <a:schemeClr val="lt1"/>
+          </a:fontRef>
+        </p:style>
+        <p:txBody>
+          <a:bodyPr rtlCol="0" anchor="ctr"/>
+          <a:lstStyle/>
+          <a:p>
+            <a:pPr algn="ctr"/>
+            <a:r>
+              <a:rPr lang="fi-FI" dirty="0" smtClean="0">
+                <a:solidFill>
+                  <a:schemeClr val="tx1"/>
+                </a:solidFill>
+              </a:rPr>
+              <a:t>Turnaus pidetään </a:t>
+            </a:r>
+            <a:r>
+              <a:rPr lang="fi-FI" dirty="0" err="1" smtClean="0">
+                <a:solidFill>
+                  <a:schemeClr val="tx1"/>
+                </a:solidFill>
+              </a:rPr>
+              <a:t>lanien</a:t>
+            </a:r>
+            <a:r>
+              <a:rPr lang="fi-FI" dirty="0" smtClean="0">
+                <a:solidFill>
+                  <a:schemeClr val="tx1"/>
+                </a:solidFill>
+              </a:rPr>
+              <a:t> ensimmäisen päivänä ti klo 15:00 – 16:00</a:t>
+            </a:r>
+            <a:endParaRPr lang="fi-FI" dirty="0">
+              <a:solidFill>
+                <a:schemeClr val="tx1"/>
+              </a:solidFill>
+            </a:endParaRPr>
+          </a:p>
+        </p:txBody>
+      </p:sp>
+      <p:sp>
+        <p:nvSpPr>
+          <p:cNvPr id="12" name="TextBox 11"/>
+          <p:cNvSpPr txBox="1"/>
+          <p:nvPr/>
+        </p:nvSpPr>
+        <p:spPr>
+          <a:xfrm>
+            <a:off x="2622883" y="3454710"/>
+            <a:ext cx="4050633" cy="369332"/>
+          </a:xfrm>
+          <a:prstGeom prst="rect">
+            <a:avLst/>
+          </a:prstGeom>
+          <a:noFill/>
+        </p:spPr>
+        <p:txBody>
+          <a:bodyPr wrap="square" rtlCol="0">
+            <a:spAutoFit/>
+          </a:bodyPr>
+          <a:lstStyle/>
+          <a:p>
+            <a:r>
+              <a:rPr lang="fi-FI" dirty="0" smtClean="0"/>
+              <a:t>Tietoa turnauksesta</a:t>
+            </a:r>
+            <a:endParaRPr lang="fi-FI" dirty="0"/>
+          </a:p>
+        </p:txBody>
+      </p:sp>
+      <p:sp>
+        <p:nvSpPr>
+          <p:cNvPr id="13" name="Rectangle 12"/>
+          <p:cNvSpPr/>
+          <p:nvPr/>
+        </p:nvSpPr>
+        <p:spPr>
+          <a:xfrm>
+            <a:off x="2622883" y="3802623"/>
+            <a:ext cx="3850106" cy="449178"/>
+          </a:xfrm>
+          <a:prstGeom prst="rect">
+            <a:avLst/>
+          </a:prstGeom>
+          <a:solidFill>
+            <a:schemeClr val="bg1"/>
+          </a:solidFill>
+        </p:spPr>
+        <p:style>
+          <a:lnRef idx="2">
+            <a:schemeClr val="accent1">
+              <a:shade val="50000"/>
+            </a:schemeClr>
+          </a:lnRef>
+          <a:fillRef idx="1">
+            <a:schemeClr val="accent1"/>
+          </a:fillRef>
+          <a:effectRef idx="0">
+            <a:schemeClr val="accent1"/>
+          </a:effectRef>
+          <a:fontRef idx="minor">
+            <a:schemeClr val="lt1"/>
+          </a:fontRef>
+        </p:style>
+        <p:txBody>
+          <a:bodyPr rtlCol="0" anchor="ctr"/>
+          <a:lstStyle/>
+          <a:p>
+            <a:pPr algn="ctr"/>
+            <a:r>
+              <a:rPr lang="fi-FI" dirty="0" err="1" smtClean="0">
+                <a:solidFill>
+                  <a:schemeClr val="tx1"/>
+                </a:solidFill>
+              </a:rPr>
+              <a:t>blalblablalblblblablblalbalblabl</a:t>
+            </a:r>
+            <a:endParaRPr lang="fi-FI" dirty="0">
+              <a:solidFill>
+                <a:schemeClr val="tx1"/>
+              </a:solidFill>
+            </a:endParaRPr>
+          </a:p>
+        </p:txBody>
+      </p:sp>
+      <p:sp>
+        <p:nvSpPr>
+          <p:cNvPr id="18" name="Rectangle 17"/>
+          <p:cNvSpPr/>
+          <p:nvPr/>
+        </p:nvSpPr>
+        <p:spPr>
+          <a:xfrm>
+            <a:off x="7226967" y="3888572"/>
+            <a:ext cx="1965159" cy="990600"/>
+          </a:xfrm>
+          <a:prstGeom prst="rect">
+            <a:avLst/>
+          </a:prstGeom>
+        </p:spPr>
+        <p:style>
+          <a:lnRef idx="2">
+            <a:schemeClr val="accent1">
+              <a:shade val="50000"/>
+            </a:schemeClr>
+          </a:lnRef>
+          <a:fillRef idx="1">
+            <a:schemeClr val="accent1"/>
+          </a:fillRef>
+          <a:effectRef idx="0">
+            <a:schemeClr val="accent1"/>
+          </a:effectRef>
+          <a:fontRef idx="minor">
+            <a:schemeClr val="lt1"/>
+          </a:fontRef>
+        </p:style>
+        <p:txBody>
+          <a:bodyPr rtlCol="0" anchor="ctr"/>
+          <a:lstStyle/>
+          <a:p>
+            <a:pPr algn="ctr"/>
+            <a:r>
+              <a:rPr lang="fi-FI" dirty="0" smtClean="0"/>
+              <a:t>Muokkaa tietoja</a:t>
+            </a:r>
+            <a:endParaRPr lang="fi-FI" dirty="0"/>
+          </a:p>
+        </p:txBody>
+      </p:sp>
+    </p:spTree>
+    <p:extLst>
+      <p:ext uri="{BB962C8B-B14F-4D97-AF65-F5344CB8AC3E}">
+        <p14:creationId xmlns:p14="http://schemas.microsoft.com/office/powerpoint/2010/main" val="3888388300"/>
+      </p:ext>
+    </p:extLst>
+  </p:cSld>
+  <p:clrMapOvr>
+    <a:masterClrMapping/>
+  </p:clrMapOvr>
+  <p:timing>
+    <p:tnLst>
+      <p:par>
+        <p:cTn id="1" dur="indefinite" restart="never" nodeType="tmRoot"/>
+      </p:par>
+    </p:tnLst>
+  </p:timing>
+</p:sld>
+</file>
+
+<file path=ppt/slides/slide6.xml><?xml version="1.0" encoding="utf-8"?>
+<p:sld xmlns:a="http://schemas.openxmlformats.org/drawingml/2006/main" xmlns:r="http://schemas.openxmlformats.org/officeDocument/2006/relationships" xmlns:p="http://schemas.openxmlformats.org/presentationml/2006/main">
+  <p:cSld>
+    <p:spTree>
+      <p:nvGrpSpPr>
+        <p:cNvPr id="1" name=""/>
+        <p:cNvGrpSpPr/>
+        <p:nvPr/>
+      </p:nvGrpSpPr>
+      <p:grpSpPr>
+        <a:xfrm>
+          <a:off x="0" y="0"/>
+          <a:ext cx="0" cy="0"/>
+          <a:chOff x="0" y="0"/>
+          <a:chExt cx="0" cy="0"/>
+        </a:xfrm>
+      </p:grpSpPr>
+      <p:pic>
+        <p:nvPicPr>
+          <p:cNvPr id="15" name="Picture 14"/>
+          <p:cNvPicPr>
+            <a:picLocks noChangeAspect="1"/>
+          </p:cNvPicPr>
+          <p:nvPr/>
+        </p:nvPicPr>
+        <p:blipFill>
+          <a:blip r:embed="rId2" cstate="print">
+            <a:extLst>
+              <a:ext uri="{28A0092B-C50C-407E-A947-70E740481C1C}">
+                <a14:useLocalDpi xmlns:a14="http://schemas.microsoft.com/office/drawing/2010/main" val="0"/>
+              </a:ext>
+            </a:extLst>
+          </a:blip>
+          <a:stretch>
+            <a:fillRect/>
+          </a:stretch>
+        </p:blipFill>
+        <p:spPr>
+          <a:xfrm>
+            <a:off x="0" y="3830"/>
+            <a:ext cx="12192000" cy="6852786"/>
+          </a:xfrm>
+          <a:prstGeom prst="rect">
+            <a:avLst/>
+          </a:prstGeom>
+        </p:spPr>
+      </p:pic>
+      <p:sp>
+        <p:nvSpPr>
+          <p:cNvPr id="2" name="Rectangle 1"/>
+          <p:cNvSpPr/>
+          <p:nvPr/>
+        </p:nvSpPr>
+        <p:spPr>
+          <a:xfrm>
+            <a:off x="2438400" y="224590"/>
+            <a:ext cx="7507705" cy="6208295"/>
+          </a:xfrm>
+          <a:prstGeom prst="rect">
+            <a:avLst/>
+          </a:prstGeom>
+          <a:solidFill>
+            <a:schemeClr val="bg1">
+              <a:lumMod val="85000"/>
+              <a:alpha val="92000"/>
+            </a:schemeClr>
+          </a:solidFill>
+        </p:spPr>
+        <p:style>
+          <a:lnRef idx="2">
+            <a:schemeClr val="accent1">
+              <a:shade val="50000"/>
+            </a:schemeClr>
+          </a:lnRef>
+          <a:fillRef idx="1">
+            <a:schemeClr val="accent1"/>
+          </a:fillRef>
+          <a:effectRef idx="0">
+            <a:schemeClr val="accent1"/>
+          </a:effectRef>
+          <a:fontRef idx="minor">
+            <a:schemeClr val="lt1"/>
+          </a:fontRef>
+        </p:style>
+        <p:txBody>
+          <a:bodyPr rtlCol="0" anchor="ctr"/>
+          <a:lstStyle/>
+          <a:p>
+            <a:pPr algn="ctr"/>
+            <a:endParaRPr lang="fi-FI"/>
+          </a:p>
+        </p:txBody>
+      </p:sp>
+      <p:sp>
+        <p:nvSpPr>
+          <p:cNvPr id="4" name="TextBox 3"/>
+          <p:cNvSpPr txBox="1"/>
+          <p:nvPr/>
+        </p:nvSpPr>
+        <p:spPr>
+          <a:xfrm>
             <a:off x="5313945" y="303160"/>
             <a:ext cx="2983831" cy="369332"/>
           </a:xfrm>
